--- a/Topic 3/Лекция Выбросы и пропуски.pptx
+++ b/Topic 3/Лекция Выбросы и пропуски.pptx
@@ -8837,33 +8837,8 @@
           </a:p>
         </p:txBody>
       </p:sp>
-      <p:sp>
-        <p:nvSpPr>
-          <p:cNvPr id="4" name="Заголовок 3">
-            <a:extLst>
-              <a:ext uri="{FF2B5EF4-FFF2-40B4-BE49-F238E27FC236}">
-                <a16:creationId xmlns:a16="http://schemas.microsoft.com/office/drawing/2014/main" id="{9592AC95-91F1-42CB-8511-097B463BEFB9}"/>
-              </a:ext>
-            </a:extLst>
-          </p:cNvPr>
-          <p:cNvSpPr>
-            <a:spLocks noGrp="1"/>
-          </p:cNvSpPr>
-          <p:nvPr>
-            <p:ph type="title"/>
-          </p:nvPr>
-        </p:nvSpPr>
-        <p:spPr/>
-        <p:txBody>
-          <a:bodyPr/>
-          <a:lstStyle/>
-          <a:p>
-            <a:endParaRPr lang="ru-RU"/>
-          </a:p>
-        </p:txBody>
-      </p:sp>
-      <mc:AlternateContent xmlns:mc="http://schemas.openxmlformats.org/markup-compatibility/2006">
-        <mc:Choice xmlns:a14="http://schemas.microsoft.com/office/drawing/2010/main" Requires="a14">
+      <mc:AlternateContent xmlns:mc="http://schemas.openxmlformats.org/markup-compatibility/2006" xmlns:a14="http://schemas.microsoft.com/office/drawing/2010/main">
+        <mc:Choice Requires="a14">
           <p:sp>
             <p:nvSpPr>
               <p:cNvPr id="6" name="TextBox 5">
@@ -9054,7 +9029,7 @@
             </p:txBody>
           </p:sp>
         </mc:Choice>
-        <mc:Fallback>
+        <mc:Fallback xmlns="">
           <p:sp>
             <p:nvSpPr>
               <p:cNvPr id="6" name="TextBox 5">
@@ -9099,8 +9074,8 @@
           </p:sp>
         </mc:Fallback>
       </mc:AlternateContent>
-      <mc:AlternateContent xmlns:mc="http://schemas.openxmlformats.org/markup-compatibility/2006">
-        <mc:Choice xmlns:a14="http://schemas.microsoft.com/office/drawing/2010/main" Requires="a14">
+      <mc:AlternateContent xmlns:mc="http://schemas.openxmlformats.org/markup-compatibility/2006" xmlns:a14="http://schemas.microsoft.com/office/drawing/2010/main">
+        <mc:Choice Requires="a14">
           <p:graphicFrame>
             <p:nvGraphicFramePr>
               <p:cNvPr id="7" name="Таблица 19">
@@ -9568,7 +9543,7 @@
             </a:graphic>
           </p:graphicFrame>
         </mc:Choice>
-        <mc:Fallback>
+        <mc:Fallback xmlns="">
           <p:graphicFrame>
             <p:nvGraphicFramePr>
               <p:cNvPr id="7" name="Таблица 19">
@@ -9905,8 +9880,8 @@
           </a:p>
         </p:txBody>
       </p:sp>
-      <mc:AlternateContent xmlns:mc="http://schemas.openxmlformats.org/markup-compatibility/2006">
-        <mc:Choice xmlns:a14="http://schemas.microsoft.com/office/drawing/2010/main" Requires="a14">
+      <mc:AlternateContent xmlns:mc="http://schemas.openxmlformats.org/markup-compatibility/2006" xmlns:a14="http://schemas.microsoft.com/office/drawing/2010/main">
+        <mc:Choice Requires="a14">
           <p:sp>
             <p:nvSpPr>
               <p:cNvPr id="9" name="TextBox 8">
@@ -10001,7 +9976,7 @@
             </p:txBody>
           </p:sp>
         </mc:Choice>
-        <mc:Fallback>
+        <mc:Fallback xmlns="">
           <p:sp>
             <p:nvSpPr>
               <p:cNvPr id="9" name="TextBox 8">
@@ -10046,8 +10021,8 @@
           </p:sp>
         </mc:Fallback>
       </mc:AlternateContent>
-      <mc:AlternateContent xmlns:mc="http://schemas.openxmlformats.org/markup-compatibility/2006">
-        <mc:Choice xmlns:a14="http://schemas.microsoft.com/office/drawing/2010/main" Requires="a14">
+      <mc:AlternateContent xmlns:mc="http://schemas.openxmlformats.org/markup-compatibility/2006" xmlns:a14="http://schemas.microsoft.com/office/drawing/2010/main">
+        <mc:Choice Requires="a14">
           <p:sp>
             <p:nvSpPr>
               <p:cNvPr id="10" name="TextBox 9">
@@ -10133,7 +10108,7 @@
             </p:txBody>
           </p:sp>
         </mc:Choice>
-        <mc:Fallback>
+        <mc:Fallback xmlns="">
           <p:sp>
             <p:nvSpPr>
               <p:cNvPr id="10" name="TextBox 9">
@@ -10178,6 +10153,60 @@
           </p:sp>
         </mc:Fallback>
       </mc:AlternateContent>
+      <p:sp>
+        <p:nvSpPr>
+          <p:cNvPr id="11" name="Заголовок 3">
+            <a:extLst>
+              <a:ext uri="{FF2B5EF4-FFF2-40B4-BE49-F238E27FC236}">
+                <a16:creationId xmlns:a16="http://schemas.microsoft.com/office/drawing/2014/main" id="{B828ED4A-E688-4F80-BEE4-419BC7C0ABC1}"/>
+              </a:ext>
+            </a:extLst>
+          </p:cNvPr>
+          <p:cNvSpPr txBox="1">
+            <a:spLocks/>
+          </p:cNvSpPr>
+          <p:nvPr/>
+        </p:nvSpPr>
+        <p:spPr>
+          <a:xfrm>
+            <a:off x="2982290" y="136524"/>
+            <a:ext cx="6031080" cy="605879"/>
+          </a:xfrm>
+          <a:prstGeom prst="rect">
+            <a:avLst/>
+          </a:prstGeom>
+        </p:spPr>
+        <p:txBody>
+          <a:bodyPr vert="horz" lIns="91440" tIns="45720" rIns="91440" bIns="45720" rtlCol="0" anchor="ctr">
+            <a:noAutofit/>
+          </a:bodyPr>
+          <a:lstStyle>
+            <a:lvl1pPr algn="l" defTabSz="914400" rtl="0" eaLnBrk="1" latinLnBrk="0" hangingPunct="1">
+              <a:lnSpc>
+                <a:spcPct val="90000"/>
+              </a:lnSpc>
+              <a:spcBef>
+                <a:spcPct val="0"/>
+              </a:spcBef>
+              <a:buNone/>
+              <a:defRPr sz="2400" kern="1200">
+                <a:solidFill>
+                  <a:schemeClr val="bg1"/>
+                </a:solidFill>
+                <a:latin typeface="+mj-lt"/>
+                <a:ea typeface="+mj-ea"/>
+                <a:cs typeface="+mj-cs"/>
+              </a:defRPr>
+            </a:lvl1pPr>
+          </a:lstStyle>
+          <a:p>
+            <a:r>
+              <a:rPr lang="ru-RU" sz="2000" dirty="0"/>
+              <a:t>Вопрос 1. Методы устранения выбросов и пропусков</a:t>
+            </a:r>
+          </a:p>
+        </p:txBody>
+      </p:sp>
     </p:spTree>
     <p:extLst>
       <p:ext uri="{BB962C8B-B14F-4D97-AF65-F5344CB8AC3E}">
